--- a/Shop.Solution/Shop.App.pptx
+++ b/Shop.Solution/Shop.App.pptx
@@ -334,7 +334,7 @@
           <a:p>
             <a:fld id="{F869B831-4E69-4D2A-AD19-BF4301D60DCB}" type="datetimeFigureOut">
               <a:rPr lang="fr-FR" smtClean="0"/>
-              <a:t>26/08/2023</a:t>
+              <a:t>10/09/2023</a:t>
             </a:fld>
             <a:endParaRPr lang="fr-FR"/>
           </a:p>
@@ -511,7 +511,7 @@
           <a:p>
             <a:fld id="{21CD3A5E-BD05-4410-88B3-BEFECD2D9F92}" type="datetimeFigureOut">
               <a:rPr lang="fr-FR" smtClean="0"/>
-              <a:t>26/08/2023</a:t>
+              <a:t>10/09/2023</a:t>
             </a:fld>
             <a:endParaRPr lang="fr-FR"/>
           </a:p>
@@ -8187,8 +8187,63 @@
             </a:pPr>
             <a:r>
               <a:rPr lang="en-GB" dirty="0"/>
-              <a:t>Architecture</a:t>
-            </a:r>
+              <a:t>Security</a:t>
+            </a:r>
+          </a:p>
+          <a:p>
+            <a:pPr marL="0" indent="0" algn="ctr">
+              <a:buNone/>
+            </a:pPr>
+            <a:r>
+              <a:rPr lang="en-GB" sz="1800" b="0" i="0" u="sng" strike="noStrike" dirty="0" err="1">
+                <a:solidFill>
+                  <a:srgbClr val="1155CC"/>
+                </a:solidFill>
+                <a:effectLst/>
+                <a:latin typeface="Arial" panose="020B0604020202020204" pitchFamily="34" charset="0"/>
+                <a:hlinkClick r:id="rId3"/>
+              </a:rPr>
+              <a:t>Implem</a:t>
+            </a:r>
+            <a:r>
+              <a:rPr lang="en-GB" sz="1800" b="0" i="0" u="sng" strike="noStrike" dirty="0">
+                <a:solidFill>
+                  <a:srgbClr val="1155CC"/>
+                </a:solidFill>
+                <a:effectLst/>
+                <a:latin typeface="Arial" panose="020B0604020202020204" pitchFamily="34" charset="0"/>
+                <a:hlinkClick r:id="rId3"/>
+              </a:rPr>
+              <a:t> Security with JWT</a:t>
+            </a:r>
+            <a:endParaRPr lang="en-GB" sz="1800" b="0" i="0" u="sng" strike="noStrike" dirty="0">
+              <a:solidFill>
+                <a:srgbClr val="1155CC"/>
+              </a:solidFill>
+              <a:effectLst/>
+              <a:latin typeface="Arial" panose="020B0604020202020204" pitchFamily="34" charset="0"/>
+            </a:endParaRPr>
+          </a:p>
+          <a:p>
+            <a:pPr marL="0" indent="0" algn="ctr">
+              <a:buNone/>
+            </a:pPr>
+            <a:r>
+              <a:rPr lang="en-GB" sz="1800" b="0" u="sng">
+                <a:solidFill>
+                  <a:srgbClr val="1155CC"/>
+                </a:solidFill>
+                <a:latin typeface="Arial" panose="020B0604020202020204" pitchFamily="34" charset="0"/>
+              </a:rPr>
+              <a:t>RefreshTokenRotation</a:t>
+            </a:r>
+            <a:endParaRPr lang="en-GB"/>
+          </a:p>
+          <a:p>
+            <a:pPr marL="0" indent="0" algn="ctr">
+              <a:buNone/>
+            </a:pPr>
+            <a:endParaRPr lang="en-GB" dirty="0"/>
           </a:p>
         </p:txBody>
       </p:sp>
